--- a/project_docs/proposal_design.pptx
+++ b/project_docs/proposal_design.pptx
@@ -307,7 +307,7 @@
             <a:fld id="{D1F16919-893F-4628-8339-595CCF31C6C3}" type="datetimeFigureOut">
               <a:rPr lang="ko-KR" altLang="en-US" smtClean="0"/>
               <a:pPr/>
-              <a:t>2015-07-18</a:t>
+              <a:t>2015-07-21</a:t>
             </a:fld>
             <a:endParaRPr lang="ko-KR" altLang="en-US"/>
           </a:p>
@@ -514,7 +514,7 @@
             <a:fld id="{D1F16919-893F-4628-8339-595CCF31C6C3}" type="datetimeFigureOut">
               <a:rPr lang="ko-KR" altLang="en-US" smtClean="0"/>
               <a:pPr/>
-              <a:t>2015-07-18</a:t>
+              <a:t>2015-07-21</a:t>
             </a:fld>
             <a:endParaRPr lang="ko-KR" altLang="en-US"/>
           </a:p>
@@ -721,7 +721,7 @@
             <a:fld id="{D1F16919-893F-4628-8339-595CCF31C6C3}" type="datetimeFigureOut">
               <a:rPr lang="ko-KR" altLang="en-US" smtClean="0"/>
               <a:pPr/>
-              <a:t>2015-07-18</a:t>
+              <a:t>2015-07-21</a:t>
             </a:fld>
             <a:endParaRPr lang="ko-KR" altLang="en-US"/>
           </a:p>
@@ -928,7 +928,7 @@
             <a:fld id="{D1F16919-893F-4628-8339-595CCF31C6C3}" type="datetimeFigureOut">
               <a:rPr lang="ko-KR" altLang="en-US" smtClean="0"/>
               <a:pPr/>
-              <a:t>2015-07-18</a:t>
+              <a:t>2015-07-21</a:t>
             </a:fld>
             <a:endParaRPr lang="ko-KR" altLang="en-US"/>
           </a:p>
@@ -1201,7 +1201,7 @@
             <a:fld id="{D1F16919-893F-4628-8339-595CCF31C6C3}" type="datetimeFigureOut">
               <a:rPr lang="ko-KR" altLang="en-US" smtClean="0"/>
               <a:pPr/>
-              <a:t>2015-07-18</a:t>
+              <a:t>2015-07-21</a:t>
             </a:fld>
             <a:endParaRPr lang="ko-KR" altLang="en-US"/>
           </a:p>
@@ -1524,7 +1524,7 @@
             <a:fld id="{D1F16919-893F-4628-8339-595CCF31C6C3}" type="datetimeFigureOut">
               <a:rPr lang="ko-KR" altLang="en-US" smtClean="0"/>
               <a:pPr/>
-              <a:t>2015-07-18</a:t>
+              <a:t>2015-07-21</a:t>
             </a:fld>
             <a:endParaRPr lang="ko-KR" altLang="en-US"/>
           </a:p>
@@ -1987,7 +1987,7 @@
             <a:fld id="{D1F16919-893F-4628-8339-595CCF31C6C3}" type="datetimeFigureOut">
               <a:rPr lang="ko-KR" altLang="en-US" smtClean="0"/>
               <a:pPr/>
-              <a:t>2015-07-18</a:t>
+              <a:t>2015-07-21</a:t>
             </a:fld>
             <a:endParaRPr lang="ko-KR" altLang="en-US"/>
           </a:p>
@@ -2134,7 +2134,7 @@
             <a:fld id="{D1F16919-893F-4628-8339-595CCF31C6C3}" type="datetimeFigureOut">
               <a:rPr lang="ko-KR" altLang="en-US" smtClean="0"/>
               <a:pPr/>
-              <a:t>2015-07-18</a:t>
+              <a:t>2015-07-21</a:t>
             </a:fld>
             <a:endParaRPr lang="ko-KR" altLang="en-US"/>
           </a:p>
@@ -2250,7 +2250,7 @@
             <a:fld id="{D1F16919-893F-4628-8339-595CCF31C6C3}" type="datetimeFigureOut">
               <a:rPr lang="ko-KR" altLang="en-US" smtClean="0"/>
               <a:pPr/>
-              <a:t>2015-07-18</a:t>
+              <a:t>2015-07-21</a:t>
             </a:fld>
             <a:endParaRPr lang="ko-KR" altLang="en-US"/>
           </a:p>
@@ -2557,7 +2557,7 @@
             <a:fld id="{D1F16919-893F-4628-8339-595CCF31C6C3}" type="datetimeFigureOut">
               <a:rPr lang="ko-KR" altLang="en-US" smtClean="0"/>
               <a:pPr/>
-              <a:t>2015-07-18</a:t>
+              <a:t>2015-07-21</a:t>
             </a:fld>
             <a:endParaRPr lang="ko-KR" altLang="en-US"/>
           </a:p>
@@ -2840,7 +2840,7 @@
             <a:fld id="{D1F16919-893F-4628-8339-595CCF31C6C3}" type="datetimeFigureOut">
               <a:rPr lang="ko-KR" altLang="en-US" smtClean="0"/>
               <a:pPr/>
-              <a:t>2015-07-18</a:t>
+              <a:t>2015-07-21</a:t>
             </a:fld>
             <a:endParaRPr lang="ko-KR" altLang="en-US"/>
           </a:p>
@@ -4870,14 +4870,14 @@
           <p:cNvPr id="34" name="직선 화살표 연결선 33"/>
           <p:cNvCxnSpPr>
             <a:stCxn id="37" idx="1"/>
-            <a:endCxn id="13" idx="6"/>
+            <a:endCxn id="13" idx="7"/>
           </p:cNvCxnSpPr>
           <p:nvPr/>
         </p:nvCxnSpPr>
         <p:spPr>
           <a:xfrm flipH="1">
-            <a:off x="4788024" y="4909810"/>
-            <a:ext cx="1440160" cy="247382"/>
+            <a:off x="4724752" y="4180438"/>
+            <a:ext cx="1503432" cy="824002"/>
           </a:xfrm>
           <a:prstGeom prst="straightConnector1">
             <a:avLst/>
@@ -4909,7 +4909,7 @@
         </p:nvSpPr>
         <p:spPr>
           <a:xfrm>
-            <a:off x="6228184" y="4725144"/>
+            <a:off x="6228184" y="3995772"/>
             <a:ext cx="2483950" cy="369332"/>
           </a:xfrm>
           <a:prstGeom prst="rect">
@@ -4957,6 +4957,282 @@
           <a:noFill/>
         </p:spPr>
       </p:pic>
+      <p:sp>
+        <p:nvSpPr>
+          <p:cNvPr id="18" name="타원 17"/>
+          <p:cNvSpPr/>
+          <p:nvPr/>
+        </p:nvSpPr>
+        <p:spPr>
+          <a:xfrm>
+            <a:off x="3752202" y="4941168"/>
+            <a:ext cx="432048" cy="432048"/>
+          </a:xfrm>
+          <a:prstGeom prst="ellipse">
+            <a:avLst/>
+          </a:prstGeom>
+          <a:solidFill>
+            <a:srgbClr val="FFC000"/>
+          </a:solidFill>
+          <a:ln>
+            <a:noFill/>
+          </a:ln>
+        </p:spPr>
+        <p:style>
+          <a:lnRef idx="2">
+            <a:schemeClr val="accent1">
+              <a:shade val="50000"/>
+            </a:schemeClr>
+          </a:lnRef>
+          <a:fillRef idx="1">
+            <a:schemeClr val="accent1"/>
+          </a:fillRef>
+          <a:effectRef idx="0">
+            <a:schemeClr val="accent1"/>
+          </a:effectRef>
+          <a:fontRef idx="minor">
+            <a:schemeClr val="lt1"/>
+          </a:fontRef>
+        </p:style>
+        <p:txBody>
+          <a:bodyPr rtlCol="0" anchor="ctr"/>
+          <a:lstStyle/>
+          <a:p>
+            <a:pPr algn="ctr"/>
+            <a:endParaRPr lang="ko-KR" altLang="en-US"/>
+          </a:p>
+        </p:txBody>
+      </p:sp>
+      <p:pic>
+        <p:nvPicPr>
+          <p:cNvPr id="16" name="그림 15" descr="flip-cam-512.png"/>
+          <p:cNvPicPr>
+            <a:picLocks noChangeAspect="1"/>
+          </p:cNvPicPr>
+          <p:nvPr/>
+        </p:nvPicPr>
+        <p:blipFill>
+          <a:blip r:embed="rId5" cstate="print"/>
+          <a:stretch>
+            <a:fillRect/>
+          </a:stretch>
+        </p:blipFill>
+        <p:spPr>
+          <a:xfrm>
+            <a:off x="3762074" y="4955023"/>
+            <a:ext cx="422176" cy="422176"/>
+          </a:xfrm>
+          <a:prstGeom prst="rect">
+            <a:avLst/>
+          </a:prstGeom>
+        </p:spPr>
+      </p:pic>
+      <p:sp>
+        <p:nvSpPr>
+          <p:cNvPr id="19" name="타원 18"/>
+          <p:cNvSpPr/>
+          <p:nvPr/>
+        </p:nvSpPr>
+        <p:spPr>
+          <a:xfrm>
+            <a:off x="4990193" y="4941168"/>
+            <a:ext cx="432048" cy="432048"/>
+          </a:xfrm>
+          <a:prstGeom prst="ellipse">
+            <a:avLst/>
+          </a:prstGeom>
+          <a:solidFill>
+            <a:srgbClr val="FFC000"/>
+          </a:solidFill>
+          <a:ln>
+            <a:noFill/>
+          </a:ln>
+        </p:spPr>
+        <p:style>
+          <a:lnRef idx="2">
+            <a:schemeClr val="accent1">
+              <a:shade val="50000"/>
+            </a:schemeClr>
+          </a:lnRef>
+          <a:fillRef idx="1">
+            <a:schemeClr val="accent1"/>
+          </a:fillRef>
+          <a:effectRef idx="0">
+            <a:schemeClr val="accent1"/>
+          </a:effectRef>
+          <a:fontRef idx="minor">
+            <a:schemeClr val="lt1"/>
+          </a:fontRef>
+        </p:style>
+        <p:txBody>
+          <a:bodyPr rtlCol="0" anchor="ctr"/>
+          <a:lstStyle/>
+          <a:p>
+            <a:pPr algn="ctr"/>
+            <a:endParaRPr lang="ko-KR" altLang="en-US"/>
+          </a:p>
+        </p:txBody>
+      </p:sp>
+      <p:pic>
+        <p:nvPicPr>
+          <p:cNvPr id="17" name="그림 16" descr="500px-Speaker_Icon.svg.png"/>
+          <p:cNvPicPr>
+            <a:picLocks noChangeAspect="1"/>
+          </p:cNvPicPr>
+          <p:nvPr/>
+        </p:nvPicPr>
+        <p:blipFill>
+          <a:blip r:embed="rId6" cstate="print"/>
+          <a:stretch>
+            <a:fillRect/>
+          </a:stretch>
+        </p:blipFill>
+        <p:spPr>
+          <a:xfrm>
+            <a:off x="5017903" y="4973864"/>
+            <a:ext cx="360040" cy="360040"/>
+          </a:xfrm>
+          <a:prstGeom prst="rect">
+            <a:avLst/>
+          </a:prstGeom>
+        </p:spPr>
+      </p:pic>
+      <p:cxnSp>
+        <p:nvCxnSpPr>
+          <p:cNvPr id="24" name="직선 화살표 연결선 23"/>
+          <p:cNvCxnSpPr>
+            <a:stCxn id="27" idx="1"/>
+            <a:endCxn id="19" idx="6"/>
+          </p:cNvCxnSpPr>
+          <p:nvPr/>
+        </p:nvCxnSpPr>
+        <p:spPr>
+          <a:xfrm flipH="1" flipV="1">
+            <a:off x="5422241" y="5157192"/>
+            <a:ext cx="805943" cy="3648"/>
+          </a:xfrm>
+          <a:prstGeom prst="straightConnector1">
+            <a:avLst/>
+          </a:prstGeom>
+          <a:ln w="19050">
+            <a:tailEnd type="arrow"/>
+          </a:ln>
+        </p:spPr>
+        <p:style>
+          <a:lnRef idx="1">
+            <a:schemeClr val="accent1"/>
+          </a:lnRef>
+          <a:fillRef idx="0">
+            <a:schemeClr val="accent1"/>
+          </a:fillRef>
+          <a:effectRef idx="0">
+            <a:schemeClr val="accent1"/>
+          </a:effectRef>
+          <a:fontRef idx="minor">
+            <a:schemeClr val="tx1"/>
+          </a:fontRef>
+        </p:style>
+      </p:cxnSp>
+      <p:sp>
+        <p:nvSpPr>
+          <p:cNvPr id="27" name="TextBox 26"/>
+          <p:cNvSpPr txBox="1"/>
+          <p:nvPr/>
+        </p:nvSpPr>
+        <p:spPr>
+          <a:xfrm>
+            <a:off x="6228184" y="4976174"/>
+            <a:ext cx="1591654" cy="369332"/>
+          </a:xfrm>
+          <a:prstGeom prst="rect">
+            <a:avLst/>
+          </a:prstGeom>
+          <a:noFill/>
+        </p:spPr>
+        <p:txBody>
+          <a:bodyPr wrap="none" rtlCol="0">
+            <a:spAutoFit/>
+          </a:bodyPr>
+          <a:lstStyle/>
+          <a:p>
+            <a:r>
+              <a:rPr lang="en-US" altLang="ko-KR" b="1" dirty="0" smtClean="0"/>
+              <a:t>Mute </a:t>
+            </a:r>
+            <a:r>
+              <a:rPr lang="en-US" altLang="ko-KR" b="1" dirty="0" smtClean="0"/>
+              <a:t>Button</a:t>
+            </a:r>
+            <a:endParaRPr lang="ko-KR" altLang="en-US" b="1" dirty="0"/>
+          </a:p>
+        </p:txBody>
+      </p:sp>
+      <p:cxnSp>
+        <p:nvCxnSpPr>
+          <p:cNvPr id="31" name="직선 화살표 연결선 30"/>
+          <p:cNvCxnSpPr>
+            <a:stCxn id="35" idx="3"/>
+            <a:endCxn id="16" idx="1"/>
+          </p:cNvCxnSpPr>
+          <p:nvPr/>
+        </p:nvCxnSpPr>
+        <p:spPr>
+          <a:xfrm flipV="1">
+            <a:off x="2883990" y="5166111"/>
+            <a:ext cx="878084" cy="2590"/>
+          </a:xfrm>
+          <a:prstGeom prst="straightConnector1">
+            <a:avLst/>
+          </a:prstGeom>
+          <a:ln w="19050">
+            <a:tailEnd type="arrow"/>
+          </a:ln>
+        </p:spPr>
+        <p:style>
+          <a:lnRef idx="1">
+            <a:schemeClr val="accent1"/>
+          </a:lnRef>
+          <a:fillRef idx="0">
+            <a:schemeClr val="accent1"/>
+          </a:fillRef>
+          <a:effectRef idx="0">
+            <a:schemeClr val="accent1"/>
+          </a:effectRef>
+          <a:fontRef idx="minor">
+            <a:schemeClr val="tx1"/>
+          </a:fontRef>
+        </p:style>
+      </p:cxnSp>
+      <p:sp>
+        <p:nvSpPr>
+          <p:cNvPr id="35" name="TextBox 34"/>
+          <p:cNvSpPr txBox="1"/>
+          <p:nvPr/>
+        </p:nvSpPr>
+        <p:spPr>
+          <a:xfrm>
+            <a:off x="1475656" y="4984035"/>
+            <a:ext cx="1408334" cy="369332"/>
+          </a:xfrm>
+          <a:prstGeom prst="rect">
+            <a:avLst/>
+          </a:prstGeom>
+          <a:noFill/>
+        </p:spPr>
+        <p:txBody>
+          <a:bodyPr wrap="none" rtlCol="0">
+            <a:spAutoFit/>
+          </a:bodyPr>
+          <a:lstStyle/>
+          <a:p>
+            <a:r>
+              <a:rPr lang="en-US" altLang="ko-KR" b="1" dirty="0" smtClean="0"/>
+              <a:t>Flip Button</a:t>
+            </a:r>
+            <a:endParaRPr lang="ko-KR" altLang="en-US" b="1" dirty="0"/>
+          </a:p>
+        </p:txBody>
+      </p:sp>
     </p:spTree>
   </p:cSld>
   <p:clrMapOvr>
